--- a/Cookie/SameSite/SameSite.pptx
+++ b/Cookie/SameSite/SameSite.pptx
@@ -245,7 +245,7 @@
           <a:p>
             <a:fld id="{7C646FE5-4C54-49A0-A728-7E280FF13932}" type="datetimeFigureOut">
               <a:rPr kumimoji="1" lang="ja-JP" altLang="en-US" smtClean="0"/>
-              <a:t>2023/9/19</a:t>
+              <a:t>2023/9/22</a:t>
             </a:fld>
             <a:endParaRPr kumimoji="1" lang="ja-JP" altLang="en-US"/>
           </a:p>
@@ -445,7 +445,7 @@
           <a:p>
             <a:fld id="{7C646FE5-4C54-49A0-A728-7E280FF13932}" type="datetimeFigureOut">
               <a:rPr kumimoji="1" lang="ja-JP" altLang="en-US" smtClean="0"/>
-              <a:t>2023/9/19</a:t>
+              <a:t>2023/9/22</a:t>
             </a:fld>
             <a:endParaRPr kumimoji="1" lang="ja-JP" altLang="en-US"/>
           </a:p>
@@ -688,7 +688,7 @@
           <a:p>
             <a:fld id="{7C646FE5-4C54-49A0-A728-7E280FF13932}" type="datetimeFigureOut">
               <a:rPr kumimoji="1" lang="ja-JP" altLang="en-US" smtClean="0"/>
-              <a:t>2023/9/19</a:t>
+              <a:t>2023/9/22</a:t>
             </a:fld>
             <a:endParaRPr kumimoji="1" lang="ja-JP" altLang="en-US"/>
           </a:p>
@@ -25843,8 +25843,8 @@
           </p:nvSpPr>
           <p:spPr>
             <a:xfrm>
-              <a:off x="4953937" y="3727339"/>
-              <a:ext cx="3574354" cy="1531753"/>
+              <a:off x="1371929" y="3727339"/>
+              <a:ext cx="7156362" cy="1531753"/>
             </a:xfrm>
             <a:prstGeom prst="rect">
               <a:avLst/>
@@ -25899,7 +25899,7 @@
           <p:spPr>
             <a:xfrm>
               <a:off x="1371933" y="2173793"/>
-              <a:ext cx="3582003" cy="4641559"/>
+              <a:ext cx="3582003" cy="1545829"/>
             </a:xfrm>
             <a:prstGeom prst="rect">
               <a:avLst/>
@@ -25952,8 +25952,8 @@
           </p:nvSpPr>
           <p:spPr>
             <a:xfrm>
-              <a:off x="4953936" y="5265453"/>
-              <a:ext cx="3574354" cy="1549898"/>
+              <a:off x="1371928" y="5265453"/>
+              <a:ext cx="7156362" cy="1549898"/>
             </a:xfrm>
             <a:prstGeom prst="rect">
               <a:avLst/>
